--- a/etc/ansys備忘録.pptx
+++ b/etc/ansys備忘録.pptx
@@ -9,6 +9,7 @@
     <p:sldId id="257" r:id="rId3"/>
     <p:sldId id="258" r:id="rId4"/>
     <p:sldId id="259" r:id="rId5"/>
+    <p:sldId id="260" r:id="rId6"/>
   </p:sldIdLst>
   <p:sldSz cx="12192000" cy="6858000"/>
   <p:notesSz cx="6858000" cy="9144000"/>
@@ -262,7 +263,7 @@
           <a:p>
             <a:fld id="{EFBEF0BF-504E-AD4C-B705-E4243257DE38}" type="datetimeFigureOut">
               <a:rPr kumimoji="1" lang="ja-JP" altLang="en-US" smtClean="0"/>
-              <a:t>2021/7/3</a:t>
+              <a:t>2021/7/15</a:t>
             </a:fld>
             <a:endParaRPr kumimoji="1" lang="ja-JP" altLang="en-US"/>
           </a:p>
@@ -492,7 +493,7 @@
           <a:p>
             <a:fld id="{EFBEF0BF-504E-AD4C-B705-E4243257DE38}" type="datetimeFigureOut">
               <a:rPr kumimoji="1" lang="ja-JP" altLang="en-US" smtClean="0"/>
-              <a:t>2021/7/3</a:t>
+              <a:t>2021/7/15</a:t>
             </a:fld>
             <a:endParaRPr kumimoji="1" lang="ja-JP" altLang="en-US"/>
           </a:p>
@@ -732,7 +733,7 @@
           <a:p>
             <a:fld id="{EFBEF0BF-504E-AD4C-B705-E4243257DE38}" type="datetimeFigureOut">
               <a:rPr kumimoji="1" lang="ja-JP" altLang="en-US" smtClean="0"/>
-              <a:t>2021/7/3</a:t>
+              <a:t>2021/7/15</a:t>
             </a:fld>
             <a:endParaRPr kumimoji="1" lang="ja-JP" altLang="en-US"/>
           </a:p>
@@ -962,7 +963,7 @@
           <a:p>
             <a:fld id="{EFBEF0BF-504E-AD4C-B705-E4243257DE38}" type="datetimeFigureOut">
               <a:rPr kumimoji="1" lang="ja-JP" altLang="en-US" smtClean="0"/>
-              <a:t>2021/7/3</a:t>
+              <a:t>2021/7/15</a:t>
             </a:fld>
             <a:endParaRPr kumimoji="1" lang="ja-JP" altLang="en-US"/>
           </a:p>
@@ -1237,7 +1238,7 @@
           <a:p>
             <a:fld id="{EFBEF0BF-504E-AD4C-B705-E4243257DE38}" type="datetimeFigureOut">
               <a:rPr kumimoji="1" lang="ja-JP" altLang="en-US" smtClean="0"/>
-              <a:t>2021/7/3</a:t>
+              <a:t>2021/7/15</a:t>
             </a:fld>
             <a:endParaRPr kumimoji="1" lang="ja-JP" altLang="en-US"/>
           </a:p>
@@ -1566,7 +1567,7 @@
           <a:p>
             <a:fld id="{EFBEF0BF-504E-AD4C-B705-E4243257DE38}" type="datetimeFigureOut">
               <a:rPr kumimoji="1" lang="ja-JP" altLang="en-US" smtClean="0"/>
-              <a:t>2021/7/3</a:t>
+              <a:t>2021/7/15</a:t>
             </a:fld>
             <a:endParaRPr kumimoji="1" lang="ja-JP" altLang="en-US"/>
           </a:p>
@@ -2042,7 +2043,7 @@
           <a:p>
             <a:fld id="{EFBEF0BF-504E-AD4C-B705-E4243257DE38}" type="datetimeFigureOut">
               <a:rPr kumimoji="1" lang="ja-JP" altLang="en-US" smtClean="0"/>
-              <a:t>2021/7/3</a:t>
+              <a:t>2021/7/15</a:t>
             </a:fld>
             <a:endParaRPr kumimoji="1" lang="ja-JP" altLang="en-US"/>
           </a:p>
@@ -2183,7 +2184,7 @@
           <a:p>
             <a:fld id="{EFBEF0BF-504E-AD4C-B705-E4243257DE38}" type="datetimeFigureOut">
               <a:rPr kumimoji="1" lang="ja-JP" altLang="en-US" smtClean="0"/>
-              <a:t>2021/7/3</a:t>
+              <a:t>2021/7/15</a:t>
             </a:fld>
             <a:endParaRPr kumimoji="1" lang="ja-JP" altLang="en-US"/>
           </a:p>
@@ -2296,7 +2297,7 @@
           <a:p>
             <a:fld id="{EFBEF0BF-504E-AD4C-B705-E4243257DE38}" type="datetimeFigureOut">
               <a:rPr kumimoji="1" lang="ja-JP" altLang="en-US" smtClean="0"/>
-              <a:t>2021/7/3</a:t>
+              <a:t>2021/7/15</a:t>
             </a:fld>
             <a:endParaRPr kumimoji="1" lang="ja-JP" altLang="en-US"/>
           </a:p>
@@ -2639,7 +2640,7 @@
           <a:p>
             <a:fld id="{EFBEF0BF-504E-AD4C-B705-E4243257DE38}" type="datetimeFigureOut">
               <a:rPr kumimoji="1" lang="ja-JP" altLang="en-US" smtClean="0"/>
-              <a:t>2021/7/3</a:t>
+              <a:t>2021/7/15</a:t>
             </a:fld>
             <a:endParaRPr kumimoji="1" lang="ja-JP" altLang="en-US"/>
           </a:p>
@@ -2927,7 +2928,7 @@
           <a:p>
             <a:fld id="{EFBEF0BF-504E-AD4C-B705-E4243257DE38}" type="datetimeFigureOut">
               <a:rPr kumimoji="1" lang="ja-JP" altLang="en-US" smtClean="0"/>
-              <a:t>2021/7/3</a:t>
+              <a:t>2021/7/15</a:t>
             </a:fld>
             <a:endParaRPr kumimoji="1" lang="ja-JP" altLang="en-US"/>
           </a:p>
@@ -3200,7 +3201,7 @@
           <a:p>
             <a:fld id="{EFBEF0BF-504E-AD4C-B705-E4243257DE38}" type="datetimeFigureOut">
               <a:rPr kumimoji="1" lang="ja-JP" altLang="en-US" smtClean="0"/>
-              <a:t>2021/7/3</a:t>
+              <a:t>2021/7/15</a:t>
             </a:fld>
             <a:endParaRPr kumimoji="1" lang="ja-JP" altLang="en-US"/>
           </a:p>
@@ -4087,6 +4088,19 @@
             <a:endParaRPr kumimoji="1" lang="en" altLang="ja-JP" dirty="0"/>
           </a:p>
           <a:p>
+            <a:r>
+              <a:rPr lang="en" altLang="ja-JP" dirty="0"/>
+              <a:t>VSWEEP</a:t>
+            </a:r>
+          </a:p>
+          <a:p>
+            <a:pPr marL="0" indent="0">
+              <a:buNone/>
+            </a:pPr>
+            <a:r>
+              <a:rPr lang="ja-JP" altLang="en-US"/>
+              <a:t>節点を合わせてメッシュしてくれる．</a:t>
+            </a:r>
             <a:endParaRPr lang="en" altLang="ja-JP" dirty="0"/>
           </a:p>
           <a:p>
@@ -4098,6 +4112,173 @@
     <p:extLst>
       <p:ext uri="{BB962C8B-B14F-4D97-AF65-F5344CB8AC3E}">
         <p14:creationId xmlns:p14="http://schemas.microsoft.com/office/powerpoint/2010/main" val="3806053023"/>
+      </p:ext>
+    </p:extLst>
+  </p:cSld>
+  <p:clrMapOvr>
+    <a:masterClrMapping/>
+  </p:clrMapOvr>
+</p:sld>
+</file>
+
+<file path=ppt/slides/slide5.xml><?xml version="1.0" encoding="utf-8"?>
+<p:sld xmlns:a="http://schemas.openxmlformats.org/drawingml/2006/main" xmlns:r="http://schemas.openxmlformats.org/officeDocument/2006/relationships" xmlns:p="http://schemas.openxmlformats.org/presentationml/2006/main">
+  <p:cSld>
+    <p:spTree>
+      <p:nvGrpSpPr>
+        <p:cNvPr id="1" name=""/>
+        <p:cNvGrpSpPr/>
+        <p:nvPr/>
+      </p:nvGrpSpPr>
+      <p:grpSpPr>
+        <a:xfrm>
+          <a:off x="0" y="0"/>
+          <a:ext cx="0" cy="0"/>
+          <a:chOff x="0" y="0"/>
+          <a:chExt cx="0" cy="0"/>
+        </a:xfrm>
+      </p:grpSpPr>
+      <p:sp>
+        <p:nvSpPr>
+          <p:cNvPr id="2" name="タイトル 1">
+            <a:extLst>
+              <a:ext uri="{FF2B5EF4-FFF2-40B4-BE49-F238E27FC236}">
+                <a16:creationId xmlns:a16="http://schemas.microsoft.com/office/drawing/2014/main" id="{05A0D81C-035D-F144-B6DA-57A0B81DFD1E}"/>
+              </a:ext>
+            </a:extLst>
+          </p:cNvPr>
+          <p:cNvSpPr>
+            <a:spLocks noGrp="1"/>
+          </p:cNvSpPr>
+          <p:nvPr>
+            <p:ph type="title"/>
+          </p:nvPr>
+        </p:nvSpPr>
+        <p:spPr/>
+        <p:txBody>
+          <a:bodyPr/>
+          <a:lstStyle/>
+          <a:p>
+            <a:r>
+              <a:rPr kumimoji="1" lang="ja-JP" altLang="en-US"/>
+              <a:t>ポアソン比</a:t>
+            </a:r>
+          </a:p>
+        </p:txBody>
+      </p:sp>
+      <p:sp>
+        <p:nvSpPr>
+          <p:cNvPr id="3" name="コンテンツ プレースホルダー 2">
+            <a:extLst>
+              <a:ext uri="{FF2B5EF4-FFF2-40B4-BE49-F238E27FC236}">
+                <a16:creationId xmlns:a16="http://schemas.microsoft.com/office/drawing/2014/main" id="{74AE3E0D-6AEA-344B-8BD2-091235EDE73F}"/>
+              </a:ext>
+            </a:extLst>
+          </p:cNvPr>
+          <p:cNvSpPr>
+            <a:spLocks noGrp="1"/>
+          </p:cNvSpPr>
+          <p:nvPr>
+            <p:ph idx="1"/>
+          </p:nvPr>
+        </p:nvSpPr>
+        <p:spPr/>
+        <p:txBody>
+          <a:bodyPr/>
+          <a:lstStyle/>
+          <a:p>
+            <a:r>
+              <a:rPr kumimoji="1" lang="ja-JP" altLang="en-US"/>
+              <a:t>大ポアソン比</a:t>
+            </a:r>
+            <a:endParaRPr kumimoji="1" lang="en-US" altLang="ja-JP" dirty="0"/>
+          </a:p>
+          <a:p>
+            <a:pPr marL="0" indent="0">
+              <a:buNone/>
+            </a:pPr>
+            <a:r>
+              <a:rPr lang="en" altLang="ja-JP" dirty="0"/>
+              <a:t>MP,</a:t>
+            </a:r>
+            <a:r>
+              <a:rPr lang="en" altLang="ja-JP" dirty="0">
+                <a:solidFill>
+                  <a:srgbClr val="FF0000"/>
+                </a:solidFill>
+              </a:rPr>
+              <a:t>PRXY</a:t>
+            </a:r>
+            <a:r>
+              <a:rPr lang="en" altLang="ja-JP" dirty="0"/>
+              <a:t>,</a:t>
+            </a:r>
+            <a:r>
+              <a:rPr lang="ja-JP" altLang="en-US"/>
+              <a:t>材料番号</a:t>
+            </a:r>
+            <a:r>
+              <a:rPr lang="en" altLang="ja-JP" dirty="0"/>
+              <a:t>,</a:t>
+            </a:r>
+            <a:r>
+              <a:rPr lang="ja-JP" altLang="en-US"/>
+              <a:t>ポアソン比</a:t>
+            </a:r>
+            <a:endParaRPr lang="en-US" altLang="ja-JP" dirty="0"/>
+          </a:p>
+          <a:p>
+            <a:pPr marL="0" indent="0">
+              <a:buNone/>
+            </a:pPr>
+            <a:endParaRPr kumimoji="1" lang="en-US" altLang="ja-JP" dirty="0"/>
+          </a:p>
+          <a:p>
+            <a:r>
+              <a:rPr kumimoji="1" lang="ja-JP" altLang="en-US"/>
+              <a:t>小ポアソン比</a:t>
+            </a:r>
+            <a:endParaRPr kumimoji="1" lang="en-US" altLang="ja-JP" dirty="0"/>
+          </a:p>
+          <a:p>
+            <a:pPr marL="0" indent="0">
+              <a:buNone/>
+            </a:pPr>
+            <a:r>
+              <a:rPr lang="en" altLang="ja-JP" dirty="0"/>
+              <a:t>MP,</a:t>
+            </a:r>
+            <a:r>
+              <a:rPr lang="en" altLang="ja-JP" dirty="0">
+                <a:solidFill>
+                  <a:srgbClr val="FF0000"/>
+                </a:solidFill>
+              </a:rPr>
+              <a:t>NUXY</a:t>
+            </a:r>
+            <a:r>
+              <a:rPr lang="en" altLang="ja-JP" dirty="0"/>
+              <a:t>,3,Cnu12</a:t>
+            </a:r>
+          </a:p>
+          <a:p>
+            <a:pPr marL="0" indent="0">
+              <a:buNone/>
+            </a:pPr>
+            <a:endParaRPr lang="en-US" altLang="ja-JP" dirty="0"/>
+          </a:p>
+          <a:p>
+            <a:endParaRPr kumimoji="1" lang="en-US" altLang="ja-JP" dirty="0"/>
+          </a:p>
+          <a:p>
+            <a:endParaRPr kumimoji="1" lang="ja-JP" altLang="en-US"/>
+          </a:p>
+        </p:txBody>
+      </p:sp>
+    </p:spTree>
+    <p:extLst>
+      <p:ext uri="{BB962C8B-B14F-4D97-AF65-F5344CB8AC3E}">
+        <p14:creationId xmlns:p14="http://schemas.microsoft.com/office/powerpoint/2010/main" val="3269058533"/>
       </p:ext>
     </p:extLst>
   </p:cSld>

--- a/etc/ansys備忘録.pptx
+++ b/etc/ansys備忘録.pptx
@@ -10,6 +10,8 @@
     <p:sldId id="258" r:id="rId4"/>
     <p:sldId id="259" r:id="rId5"/>
     <p:sldId id="260" r:id="rId6"/>
+    <p:sldId id="261" r:id="rId7"/>
+    <p:sldId id="262" r:id="rId8"/>
   </p:sldIdLst>
   <p:sldSz cx="12192000" cy="6858000"/>
   <p:notesSz cx="6858000" cy="9144000"/>
@@ -263,7 +265,7 @@
           <a:p>
             <a:fld id="{EFBEF0BF-504E-AD4C-B705-E4243257DE38}" type="datetimeFigureOut">
               <a:rPr kumimoji="1" lang="ja-JP" altLang="en-US" smtClean="0"/>
-              <a:t>2021/7/15</a:t>
+              <a:t>2021/8/6</a:t>
             </a:fld>
             <a:endParaRPr kumimoji="1" lang="ja-JP" altLang="en-US"/>
           </a:p>
@@ -493,7 +495,7 @@
           <a:p>
             <a:fld id="{EFBEF0BF-504E-AD4C-B705-E4243257DE38}" type="datetimeFigureOut">
               <a:rPr kumimoji="1" lang="ja-JP" altLang="en-US" smtClean="0"/>
-              <a:t>2021/7/15</a:t>
+              <a:t>2021/8/6</a:t>
             </a:fld>
             <a:endParaRPr kumimoji="1" lang="ja-JP" altLang="en-US"/>
           </a:p>
@@ -733,7 +735,7 @@
           <a:p>
             <a:fld id="{EFBEF0BF-504E-AD4C-B705-E4243257DE38}" type="datetimeFigureOut">
               <a:rPr kumimoji="1" lang="ja-JP" altLang="en-US" smtClean="0"/>
-              <a:t>2021/7/15</a:t>
+              <a:t>2021/8/6</a:t>
             </a:fld>
             <a:endParaRPr kumimoji="1" lang="ja-JP" altLang="en-US"/>
           </a:p>
@@ -963,7 +965,7 @@
           <a:p>
             <a:fld id="{EFBEF0BF-504E-AD4C-B705-E4243257DE38}" type="datetimeFigureOut">
               <a:rPr kumimoji="1" lang="ja-JP" altLang="en-US" smtClean="0"/>
-              <a:t>2021/7/15</a:t>
+              <a:t>2021/8/6</a:t>
             </a:fld>
             <a:endParaRPr kumimoji="1" lang="ja-JP" altLang="en-US"/>
           </a:p>
@@ -1238,7 +1240,7 @@
           <a:p>
             <a:fld id="{EFBEF0BF-504E-AD4C-B705-E4243257DE38}" type="datetimeFigureOut">
               <a:rPr kumimoji="1" lang="ja-JP" altLang="en-US" smtClean="0"/>
-              <a:t>2021/7/15</a:t>
+              <a:t>2021/8/6</a:t>
             </a:fld>
             <a:endParaRPr kumimoji="1" lang="ja-JP" altLang="en-US"/>
           </a:p>
@@ -1567,7 +1569,7 @@
           <a:p>
             <a:fld id="{EFBEF0BF-504E-AD4C-B705-E4243257DE38}" type="datetimeFigureOut">
               <a:rPr kumimoji="1" lang="ja-JP" altLang="en-US" smtClean="0"/>
-              <a:t>2021/7/15</a:t>
+              <a:t>2021/8/6</a:t>
             </a:fld>
             <a:endParaRPr kumimoji="1" lang="ja-JP" altLang="en-US"/>
           </a:p>
@@ -2043,7 +2045,7 @@
           <a:p>
             <a:fld id="{EFBEF0BF-504E-AD4C-B705-E4243257DE38}" type="datetimeFigureOut">
               <a:rPr kumimoji="1" lang="ja-JP" altLang="en-US" smtClean="0"/>
-              <a:t>2021/7/15</a:t>
+              <a:t>2021/8/6</a:t>
             </a:fld>
             <a:endParaRPr kumimoji="1" lang="ja-JP" altLang="en-US"/>
           </a:p>
@@ -2184,7 +2186,7 @@
           <a:p>
             <a:fld id="{EFBEF0BF-504E-AD4C-B705-E4243257DE38}" type="datetimeFigureOut">
               <a:rPr kumimoji="1" lang="ja-JP" altLang="en-US" smtClean="0"/>
-              <a:t>2021/7/15</a:t>
+              <a:t>2021/8/6</a:t>
             </a:fld>
             <a:endParaRPr kumimoji="1" lang="ja-JP" altLang="en-US"/>
           </a:p>
@@ -2297,7 +2299,7 @@
           <a:p>
             <a:fld id="{EFBEF0BF-504E-AD4C-B705-E4243257DE38}" type="datetimeFigureOut">
               <a:rPr kumimoji="1" lang="ja-JP" altLang="en-US" smtClean="0"/>
-              <a:t>2021/7/15</a:t>
+              <a:t>2021/8/6</a:t>
             </a:fld>
             <a:endParaRPr kumimoji="1" lang="ja-JP" altLang="en-US"/>
           </a:p>
@@ -2640,7 +2642,7 @@
           <a:p>
             <a:fld id="{EFBEF0BF-504E-AD4C-B705-E4243257DE38}" type="datetimeFigureOut">
               <a:rPr kumimoji="1" lang="ja-JP" altLang="en-US" smtClean="0"/>
-              <a:t>2021/7/15</a:t>
+              <a:t>2021/8/6</a:t>
             </a:fld>
             <a:endParaRPr kumimoji="1" lang="ja-JP" altLang="en-US"/>
           </a:p>
@@ -2928,7 +2930,7 @@
           <a:p>
             <a:fld id="{EFBEF0BF-504E-AD4C-B705-E4243257DE38}" type="datetimeFigureOut">
               <a:rPr kumimoji="1" lang="ja-JP" altLang="en-US" smtClean="0"/>
-              <a:t>2021/7/15</a:t>
+              <a:t>2021/8/6</a:t>
             </a:fld>
             <a:endParaRPr kumimoji="1" lang="ja-JP" altLang="en-US"/>
           </a:p>
@@ -3201,7 +3203,7 @@
           <a:p>
             <a:fld id="{EFBEF0BF-504E-AD4C-B705-E4243257DE38}" type="datetimeFigureOut">
               <a:rPr kumimoji="1" lang="ja-JP" altLang="en-US" smtClean="0"/>
-              <a:t>2021/7/15</a:t>
+              <a:t>2021/8/6</a:t>
             </a:fld>
             <a:endParaRPr kumimoji="1" lang="ja-JP" altLang="en-US"/>
           </a:p>
@@ -4288,6 +4290,457 @@
 </p:sld>
 </file>
 
+<file path=ppt/slides/slide6.xml><?xml version="1.0" encoding="utf-8"?>
+<p:sld xmlns:a="http://schemas.openxmlformats.org/drawingml/2006/main" xmlns:r="http://schemas.openxmlformats.org/officeDocument/2006/relationships" xmlns:p="http://schemas.openxmlformats.org/presentationml/2006/main">
+  <p:cSld>
+    <p:spTree>
+      <p:nvGrpSpPr>
+        <p:cNvPr id="1" name=""/>
+        <p:cNvGrpSpPr/>
+        <p:nvPr/>
+      </p:nvGrpSpPr>
+      <p:grpSpPr>
+        <a:xfrm>
+          <a:off x="0" y="0"/>
+          <a:ext cx="0" cy="0"/>
+          <a:chOff x="0" y="0"/>
+          <a:chExt cx="0" cy="0"/>
+        </a:xfrm>
+      </p:grpSpPr>
+      <p:sp>
+        <p:nvSpPr>
+          <p:cNvPr id="2" name="タイトル 1">
+            <a:extLst>
+              <a:ext uri="{FF2B5EF4-FFF2-40B4-BE49-F238E27FC236}">
+                <a16:creationId xmlns:a16="http://schemas.microsoft.com/office/drawing/2014/main" id="{61B87F0B-F787-E043-8FD7-17F90901F761}"/>
+              </a:ext>
+            </a:extLst>
+          </p:cNvPr>
+          <p:cNvSpPr>
+            <a:spLocks noGrp="1"/>
+          </p:cNvSpPr>
+          <p:nvPr>
+            <p:ph type="title"/>
+          </p:nvPr>
+        </p:nvSpPr>
+        <p:spPr/>
+        <p:txBody>
+          <a:bodyPr/>
+          <a:lstStyle/>
+          <a:p>
+            <a:r>
+              <a:rPr kumimoji="1" lang="en-US" altLang="ja-JP" dirty="0"/>
+              <a:t>solid</a:t>
+            </a:r>
+            <a:endParaRPr kumimoji="1" lang="ja-JP" altLang="en-US"/>
+          </a:p>
+        </p:txBody>
+      </p:sp>
+      <p:sp>
+        <p:nvSpPr>
+          <p:cNvPr id="3" name="コンテンツ プレースホルダー 2">
+            <a:extLst>
+              <a:ext uri="{FF2B5EF4-FFF2-40B4-BE49-F238E27FC236}">
+                <a16:creationId xmlns:a16="http://schemas.microsoft.com/office/drawing/2014/main" id="{A4C3ED35-EDAF-B149-867A-F7693B55E1A0}"/>
+              </a:ext>
+            </a:extLst>
+          </p:cNvPr>
+          <p:cNvSpPr>
+            <a:spLocks noGrp="1"/>
+          </p:cNvSpPr>
+          <p:nvPr>
+            <p:ph idx="1"/>
+          </p:nvPr>
+        </p:nvSpPr>
+        <p:spPr/>
+        <p:txBody>
+          <a:bodyPr/>
+          <a:lstStyle/>
+          <a:p>
+            <a:r>
+              <a:rPr kumimoji="1" lang="en-US" altLang="ja-JP" dirty="0"/>
+              <a:t>solid185</a:t>
+            </a:r>
+          </a:p>
+          <a:p>
+            <a:pPr marL="0" indent="0">
+              <a:buNone/>
+            </a:pPr>
+            <a:r>
+              <a:rPr lang="ja-JP" altLang="en-US"/>
+              <a:t>頂点にのみ節点がある．</a:t>
+            </a:r>
+            <a:endParaRPr lang="en-US" altLang="ja-JP" dirty="0"/>
+          </a:p>
+          <a:p>
+            <a:endParaRPr lang="en-US" altLang="ja-JP" dirty="0"/>
+          </a:p>
+          <a:p>
+            <a:endParaRPr lang="en-US" altLang="ja-JP" dirty="0"/>
+          </a:p>
+          <a:p>
+            <a:r>
+              <a:rPr kumimoji="1" lang="en-US" altLang="ja-JP" dirty="0"/>
+              <a:t>solid186</a:t>
+            </a:r>
+          </a:p>
+          <a:p>
+            <a:pPr marL="0" indent="0">
+              <a:buNone/>
+            </a:pPr>
+            <a:r>
+              <a:rPr kumimoji="1" lang="ja-JP" altLang="en-US"/>
+              <a:t>中心に節点がある．</a:t>
+            </a:r>
+            <a:endParaRPr kumimoji="1" lang="en-US" altLang="ja-JP" dirty="0"/>
+          </a:p>
+          <a:p>
+            <a:pPr marL="0" indent="0">
+              <a:buNone/>
+            </a:pPr>
+            <a:r>
+              <a:rPr lang="ja-JP" altLang="en-US"/>
+              <a:t>その分計算時間が膨大になる．</a:t>
+            </a:r>
+            <a:endParaRPr kumimoji="1" lang="ja-JP" altLang="en-US"/>
+          </a:p>
+        </p:txBody>
+      </p:sp>
+      <p:sp>
+        <p:nvSpPr>
+          <p:cNvPr id="4" name="AutoShape 2" descr="SOLID186">
+            <a:extLst>
+              <a:ext uri="{FF2B5EF4-FFF2-40B4-BE49-F238E27FC236}">
+                <a16:creationId xmlns:a16="http://schemas.microsoft.com/office/drawing/2014/main" id="{F535E432-2B3E-2044-915D-2188FB28D09C}"/>
+              </a:ext>
+            </a:extLst>
+          </p:cNvPr>
+          <p:cNvSpPr>
+            <a:spLocks noChangeAspect="1" noChangeArrowheads="1"/>
+          </p:cNvSpPr>
+          <p:nvPr/>
+        </p:nvSpPr>
+        <p:spPr bwMode="auto">
+          <a:xfrm>
+            <a:off x="5943600" y="3276600"/>
+            <a:ext cx="304800" cy="304800"/>
+          </a:xfrm>
+          <a:prstGeom prst="rect">
+            <a:avLst/>
+          </a:prstGeom>
+          <a:noFill/>
+          <a:extLst>
+            <a:ext uri="{909E8E84-426E-40DD-AFC4-6F175D3DCCD1}">
+              <a14:hiddenFill xmlns:a14="http://schemas.microsoft.com/office/drawing/2010/main">
+                <a:solidFill>
+                  <a:srgbClr val="FFFFFF"/>
+                </a:solidFill>
+              </a14:hiddenFill>
+            </a:ext>
+          </a:extLst>
+        </p:spPr>
+        <p:txBody>
+          <a:bodyPr vert="horz" wrap="square" lIns="91440" tIns="45720" rIns="91440" bIns="45720" numCol="1" anchor="t" anchorCtr="0" compatLnSpc="1">
+            <a:prstTxWarp prst="textNoShape">
+              <a:avLst/>
+            </a:prstTxWarp>
+          </a:bodyPr>
+          <a:lstStyle/>
+          <a:p>
+            <a:endParaRPr lang="ja-JP" altLang="en-US"/>
+          </a:p>
+        </p:txBody>
+      </p:sp>
+      <p:pic>
+        <p:nvPicPr>
+          <p:cNvPr id="8" name="図 7">
+            <a:extLst>
+              <a:ext uri="{FF2B5EF4-FFF2-40B4-BE49-F238E27FC236}">
+                <a16:creationId xmlns:a16="http://schemas.microsoft.com/office/drawing/2014/main" id="{580D7233-5F64-4840-A266-FE053D34A6D5}"/>
+              </a:ext>
+            </a:extLst>
+          </p:cNvPr>
+          <p:cNvPicPr>
+            <a:picLocks noChangeAspect="1"/>
+          </p:cNvPicPr>
+          <p:nvPr/>
+        </p:nvPicPr>
+        <p:blipFill rotWithShape="1">
+          <a:blip r:embed="rId2"/>
+          <a:srcRect t="16633" r="35297" b="7428"/>
+          <a:stretch/>
+        </p:blipFill>
+        <p:spPr>
+          <a:xfrm>
+            <a:off x="6400800" y="4092559"/>
+            <a:ext cx="2414563" cy="2035198"/>
+          </a:xfrm>
+          <a:prstGeom prst="rect">
+            <a:avLst/>
+          </a:prstGeom>
+        </p:spPr>
+      </p:pic>
+      <p:sp>
+        <p:nvSpPr>
+          <p:cNvPr id="9" name="AutoShape 10" descr="SOLID185 Homogeneous Structural Solid Geometry">
+            <a:extLst>
+              <a:ext uri="{FF2B5EF4-FFF2-40B4-BE49-F238E27FC236}">
+                <a16:creationId xmlns:a16="http://schemas.microsoft.com/office/drawing/2014/main" id="{32B9F02E-6BA8-C94A-9ED8-D297AEA793AF}"/>
+              </a:ext>
+            </a:extLst>
+          </p:cNvPr>
+          <p:cNvSpPr>
+            <a:spLocks noChangeAspect="1" noChangeArrowheads="1"/>
+          </p:cNvSpPr>
+          <p:nvPr/>
+        </p:nvSpPr>
+        <p:spPr bwMode="auto">
+          <a:xfrm>
+            <a:off x="6096000" y="3429000"/>
+            <a:ext cx="304800" cy="304800"/>
+          </a:xfrm>
+          <a:prstGeom prst="rect">
+            <a:avLst/>
+          </a:prstGeom>
+          <a:noFill/>
+          <a:extLst>
+            <a:ext uri="{909E8E84-426E-40DD-AFC4-6F175D3DCCD1}">
+              <a14:hiddenFill xmlns:a14="http://schemas.microsoft.com/office/drawing/2010/main">
+                <a:solidFill>
+                  <a:srgbClr val="FFFFFF"/>
+                </a:solidFill>
+              </a14:hiddenFill>
+            </a:ext>
+          </a:extLst>
+        </p:spPr>
+        <p:txBody>
+          <a:bodyPr vert="horz" wrap="square" lIns="91440" tIns="45720" rIns="91440" bIns="45720" numCol="1" anchor="t" anchorCtr="0" compatLnSpc="1">
+            <a:prstTxWarp prst="textNoShape">
+              <a:avLst/>
+            </a:prstTxWarp>
+          </a:bodyPr>
+          <a:lstStyle/>
+          <a:p>
+            <a:endParaRPr lang="ja-JP" altLang="en-US"/>
+          </a:p>
+        </p:txBody>
+      </p:sp>
+      <p:pic>
+        <p:nvPicPr>
+          <p:cNvPr id="11" name="図 10">
+            <a:extLst>
+              <a:ext uri="{FF2B5EF4-FFF2-40B4-BE49-F238E27FC236}">
+                <a16:creationId xmlns:a16="http://schemas.microsoft.com/office/drawing/2014/main" id="{E6F59F1F-C3FB-0B4F-8D2C-2B3F552F3B09}"/>
+              </a:ext>
+            </a:extLst>
+          </p:cNvPr>
+          <p:cNvPicPr>
+            <a:picLocks noChangeAspect="1"/>
+          </p:cNvPicPr>
+          <p:nvPr/>
+        </p:nvPicPr>
+        <p:blipFill rotWithShape="1">
+          <a:blip r:embed="rId3"/>
+          <a:srcRect r="25998" b="32679"/>
+          <a:stretch/>
+        </p:blipFill>
+        <p:spPr>
+          <a:xfrm>
+            <a:off x="6288386" y="1825625"/>
+            <a:ext cx="2639390" cy="2036979"/>
+          </a:xfrm>
+          <a:prstGeom prst="rect">
+            <a:avLst/>
+          </a:prstGeom>
+        </p:spPr>
+      </p:pic>
+    </p:spTree>
+    <p:extLst>
+      <p:ext uri="{BB962C8B-B14F-4D97-AF65-F5344CB8AC3E}">
+        <p14:creationId xmlns:p14="http://schemas.microsoft.com/office/powerpoint/2010/main" val="1177846224"/>
+      </p:ext>
+    </p:extLst>
+  </p:cSld>
+  <p:clrMapOvr>
+    <a:masterClrMapping/>
+  </p:clrMapOvr>
+</p:sld>
+</file>
+
+<file path=ppt/slides/slide7.xml><?xml version="1.0" encoding="utf-8"?>
+<p:sld xmlns:a="http://schemas.openxmlformats.org/drawingml/2006/main" xmlns:r="http://schemas.openxmlformats.org/officeDocument/2006/relationships" xmlns:p="http://schemas.openxmlformats.org/presentationml/2006/main">
+  <p:cSld>
+    <p:spTree>
+      <p:nvGrpSpPr>
+        <p:cNvPr id="1" name=""/>
+        <p:cNvGrpSpPr/>
+        <p:nvPr/>
+      </p:nvGrpSpPr>
+      <p:grpSpPr>
+        <a:xfrm>
+          <a:off x="0" y="0"/>
+          <a:ext cx="0" cy="0"/>
+          <a:chOff x="0" y="0"/>
+          <a:chExt cx="0" cy="0"/>
+        </a:xfrm>
+      </p:grpSpPr>
+      <p:sp>
+        <p:nvSpPr>
+          <p:cNvPr id="2" name="タイトル 1">
+            <a:extLst>
+              <a:ext uri="{FF2B5EF4-FFF2-40B4-BE49-F238E27FC236}">
+                <a16:creationId xmlns:a16="http://schemas.microsoft.com/office/drawing/2014/main" id="{5740D33E-28A3-6345-A876-5F8A9A740919}"/>
+              </a:ext>
+            </a:extLst>
+          </p:cNvPr>
+          <p:cNvSpPr>
+            <a:spLocks noGrp="1"/>
+          </p:cNvSpPr>
+          <p:nvPr>
+            <p:ph type="title"/>
+          </p:nvPr>
+        </p:nvSpPr>
+        <p:spPr>
+          <a:xfrm>
+            <a:off x="838200" y="251012"/>
+            <a:ext cx="10515600" cy="748245"/>
+          </a:xfrm>
+        </p:spPr>
+        <p:txBody>
+          <a:bodyPr>
+            <a:normAutofit/>
+          </a:bodyPr>
+          <a:lstStyle/>
+          <a:p>
+            <a:r>
+              <a:rPr kumimoji="1" lang="ja-JP" altLang="en-US" sz="2800"/>
+              <a:t>事前に確認しておくべきこと</a:t>
+            </a:r>
+          </a:p>
+        </p:txBody>
+      </p:sp>
+      <p:sp>
+        <p:nvSpPr>
+          <p:cNvPr id="3" name="コンテンツ プレースホルダー 2">
+            <a:extLst>
+              <a:ext uri="{FF2B5EF4-FFF2-40B4-BE49-F238E27FC236}">
+                <a16:creationId xmlns:a16="http://schemas.microsoft.com/office/drawing/2014/main" id="{70F3195E-554D-FE4B-B630-AF58D5E2BFB8}"/>
+              </a:ext>
+            </a:extLst>
+          </p:cNvPr>
+          <p:cNvSpPr>
+            <a:spLocks noGrp="1"/>
+          </p:cNvSpPr>
+          <p:nvPr>
+            <p:ph idx="1"/>
+          </p:nvPr>
+        </p:nvSpPr>
+        <p:spPr>
+          <a:xfrm>
+            <a:off x="838200" y="1164771"/>
+            <a:ext cx="10515600" cy="5012192"/>
+          </a:xfrm>
+        </p:spPr>
+        <p:txBody>
+          <a:bodyPr>
+            <a:normAutofit/>
+          </a:bodyPr>
+          <a:lstStyle/>
+          <a:p>
+            <a:pPr marL="0" indent="0">
+              <a:buNone/>
+            </a:pPr>
+            <a:r>
+              <a:rPr lang="ja-JP" altLang="en-US" sz="1800"/>
+              <a:t>複数の解析を行う場合，闇雲に解析を行なっていては後に欠陥に気がついた時，全ての解析がやり直しになると非効率であるため，最初に諸々確認しておく．</a:t>
+            </a:r>
+            <a:endParaRPr lang="en-US" altLang="ja-JP" sz="1800" dirty="0"/>
+          </a:p>
+          <a:p>
+            <a:pPr marL="0" indent="0">
+              <a:buNone/>
+            </a:pPr>
+            <a:r>
+              <a:rPr lang="ja-JP" altLang="en-US" sz="1800"/>
+              <a:t>以下の事項と解析時間や破壊形態を比較し，最適な解析条件を決定する．</a:t>
+            </a:r>
+            <a:endParaRPr lang="en-US" altLang="ja-JP" sz="1800" dirty="0"/>
+          </a:p>
+          <a:p>
+            <a:pPr marL="0" indent="0">
+              <a:buNone/>
+            </a:pPr>
+            <a:endParaRPr kumimoji="1" lang="en-US" altLang="ja-JP" sz="1800" dirty="0"/>
+          </a:p>
+          <a:p>
+            <a:r>
+              <a:rPr kumimoji="1" lang="ja-JP" altLang="en-US" sz="1800"/>
+              <a:t>試験片長さ・形状</a:t>
+            </a:r>
+            <a:endParaRPr kumimoji="1" lang="en-US" altLang="ja-JP" sz="1800" dirty="0"/>
+          </a:p>
+          <a:p>
+            <a:r>
+              <a:rPr kumimoji="1" lang="ja-JP" altLang="en-US" sz="1800"/>
+              <a:t>メッシュ分割数</a:t>
+            </a:r>
+            <a:endParaRPr kumimoji="1" lang="en-US" altLang="ja-JP" sz="1800" dirty="0"/>
+          </a:p>
+          <a:p>
+            <a:r>
+              <a:rPr lang="en-US" altLang="ja-JP" sz="1800" dirty="0"/>
+              <a:t>solid186 or solid185</a:t>
+            </a:r>
+          </a:p>
+          <a:p>
+            <a:r>
+              <a:rPr kumimoji="1" lang="ja-JP" altLang="en-US" sz="1800"/>
+              <a:t>引張距離</a:t>
+            </a:r>
+            <a:endParaRPr kumimoji="1" lang="en-US" altLang="ja-JP" sz="1800" dirty="0"/>
+          </a:p>
+          <a:p>
+            <a:r>
+              <a:rPr lang="ja-JP" altLang="en-US" sz="1800"/>
+              <a:t>サブステップ数</a:t>
+            </a:r>
+            <a:r>
+              <a:rPr lang="en-US" altLang="ja-JP" sz="1800" dirty="0"/>
+              <a:t>(</a:t>
+            </a:r>
+            <a:r>
+              <a:rPr lang="en" altLang="ja-JP" sz="1800" dirty="0"/>
+              <a:t>NSUBST)</a:t>
+            </a:r>
+          </a:p>
+          <a:p>
+            <a:r>
+              <a:rPr lang="ja-JP" altLang="en-US" sz="1800"/>
+              <a:t>材料物性値</a:t>
+            </a:r>
+            <a:endParaRPr lang="en-US" altLang="ja-JP" sz="1800" dirty="0"/>
+          </a:p>
+          <a:p>
+            <a:r>
+              <a:rPr kumimoji="1" lang="ja-JP" altLang="en-US" sz="1800"/>
+              <a:t>理論値や予想値，破壊形態との比較</a:t>
+            </a:r>
+          </a:p>
+        </p:txBody>
+      </p:sp>
+    </p:spTree>
+    <p:extLst>
+      <p:ext uri="{BB962C8B-B14F-4D97-AF65-F5344CB8AC3E}">
+        <p14:creationId xmlns:p14="http://schemas.microsoft.com/office/powerpoint/2010/main" val="2831437041"/>
+      </p:ext>
+    </p:extLst>
+  </p:cSld>
+  <p:clrMapOvr>
+    <a:masterClrMapping/>
+  </p:clrMapOvr>
+</p:sld>
+</file>
+
 <file path=ppt/theme/theme1.xml><?xml version="1.0" encoding="utf-8"?>
 <a:theme xmlns:a="http://schemas.openxmlformats.org/drawingml/2006/main" name="Office テーマ">
   <a:themeElements>

--- a/etc/ansys備忘録.pptx
+++ b/etc/ansys備忘録.pptx
@@ -12,6 +12,7 @@
     <p:sldId id="260" r:id="rId6"/>
     <p:sldId id="261" r:id="rId7"/>
     <p:sldId id="262" r:id="rId8"/>
+    <p:sldId id="263" r:id="rId9"/>
   </p:sldIdLst>
   <p:sldSz cx="12192000" cy="6858000"/>
   <p:notesSz cx="6858000" cy="9144000"/>
@@ -265,7 +266,7 @@
           <a:p>
             <a:fld id="{EFBEF0BF-504E-AD4C-B705-E4243257DE38}" type="datetimeFigureOut">
               <a:rPr kumimoji="1" lang="ja-JP" altLang="en-US" smtClean="0"/>
-              <a:t>2021/8/6</a:t>
+              <a:t>2021/10/16</a:t>
             </a:fld>
             <a:endParaRPr kumimoji="1" lang="ja-JP" altLang="en-US"/>
           </a:p>
@@ -495,7 +496,7 @@
           <a:p>
             <a:fld id="{EFBEF0BF-504E-AD4C-B705-E4243257DE38}" type="datetimeFigureOut">
               <a:rPr kumimoji="1" lang="ja-JP" altLang="en-US" smtClean="0"/>
-              <a:t>2021/8/6</a:t>
+              <a:t>2021/10/16</a:t>
             </a:fld>
             <a:endParaRPr kumimoji="1" lang="ja-JP" altLang="en-US"/>
           </a:p>
@@ -735,7 +736,7 @@
           <a:p>
             <a:fld id="{EFBEF0BF-504E-AD4C-B705-E4243257DE38}" type="datetimeFigureOut">
               <a:rPr kumimoji="1" lang="ja-JP" altLang="en-US" smtClean="0"/>
-              <a:t>2021/8/6</a:t>
+              <a:t>2021/10/16</a:t>
             </a:fld>
             <a:endParaRPr kumimoji="1" lang="ja-JP" altLang="en-US"/>
           </a:p>
@@ -965,7 +966,7 @@
           <a:p>
             <a:fld id="{EFBEF0BF-504E-AD4C-B705-E4243257DE38}" type="datetimeFigureOut">
               <a:rPr kumimoji="1" lang="ja-JP" altLang="en-US" smtClean="0"/>
-              <a:t>2021/8/6</a:t>
+              <a:t>2021/10/16</a:t>
             </a:fld>
             <a:endParaRPr kumimoji="1" lang="ja-JP" altLang="en-US"/>
           </a:p>
@@ -1240,7 +1241,7 @@
           <a:p>
             <a:fld id="{EFBEF0BF-504E-AD4C-B705-E4243257DE38}" type="datetimeFigureOut">
               <a:rPr kumimoji="1" lang="ja-JP" altLang="en-US" smtClean="0"/>
-              <a:t>2021/8/6</a:t>
+              <a:t>2021/10/16</a:t>
             </a:fld>
             <a:endParaRPr kumimoji="1" lang="ja-JP" altLang="en-US"/>
           </a:p>
@@ -1569,7 +1570,7 @@
           <a:p>
             <a:fld id="{EFBEF0BF-504E-AD4C-B705-E4243257DE38}" type="datetimeFigureOut">
               <a:rPr kumimoji="1" lang="ja-JP" altLang="en-US" smtClean="0"/>
-              <a:t>2021/8/6</a:t>
+              <a:t>2021/10/16</a:t>
             </a:fld>
             <a:endParaRPr kumimoji="1" lang="ja-JP" altLang="en-US"/>
           </a:p>
@@ -2045,7 +2046,7 @@
           <a:p>
             <a:fld id="{EFBEF0BF-504E-AD4C-B705-E4243257DE38}" type="datetimeFigureOut">
               <a:rPr kumimoji="1" lang="ja-JP" altLang="en-US" smtClean="0"/>
-              <a:t>2021/8/6</a:t>
+              <a:t>2021/10/16</a:t>
             </a:fld>
             <a:endParaRPr kumimoji="1" lang="ja-JP" altLang="en-US"/>
           </a:p>
@@ -2186,7 +2187,7 @@
           <a:p>
             <a:fld id="{EFBEF0BF-504E-AD4C-B705-E4243257DE38}" type="datetimeFigureOut">
               <a:rPr kumimoji="1" lang="ja-JP" altLang="en-US" smtClean="0"/>
-              <a:t>2021/8/6</a:t>
+              <a:t>2021/10/16</a:t>
             </a:fld>
             <a:endParaRPr kumimoji="1" lang="ja-JP" altLang="en-US"/>
           </a:p>
@@ -2299,7 +2300,7 @@
           <a:p>
             <a:fld id="{EFBEF0BF-504E-AD4C-B705-E4243257DE38}" type="datetimeFigureOut">
               <a:rPr kumimoji="1" lang="ja-JP" altLang="en-US" smtClean="0"/>
-              <a:t>2021/8/6</a:t>
+              <a:t>2021/10/16</a:t>
             </a:fld>
             <a:endParaRPr kumimoji="1" lang="ja-JP" altLang="en-US"/>
           </a:p>
@@ -2642,7 +2643,7 @@
           <a:p>
             <a:fld id="{EFBEF0BF-504E-AD4C-B705-E4243257DE38}" type="datetimeFigureOut">
               <a:rPr kumimoji="1" lang="ja-JP" altLang="en-US" smtClean="0"/>
-              <a:t>2021/8/6</a:t>
+              <a:t>2021/10/16</a:t>
             </a:fld>
             <a:endParaRPr kumimoji="1" lang="ja-JP" altLang="en-US"/>
           </a:p>
@@ -2930,7 +2931,7 @@
           <a:p>
             <a:fld id="{EFBEF0BF-504E-AD4C-B705-E4243257DE38}" type="datetimeFigureOut">
               <a:rPr kumimoji="1" lang="ja-JP" altLang="en-US" smtClean="0"/>
-              <a:t>2021/8/6</a:t>
+              <a:t>2021/10/16</a:t>
             </a:fld>
             <a:endParaRPr kumimoji="1" lang="ja-JP" altLang="en-US"/>
           </a:p>
@@ -3203,7 +3204,7 @@
           <a:p>
             <a:fld id="{EFBEF0BF-504E-AD4C-B705-E4243257DE38}" type="datetimeFigureOut">
               <a:rPr kumimoji="1" lang="ja-JP" altLang="en-US" smtClean="0"/>
-              <a:t>2021/8/6</a:t>
+              <a:t>2021/10/16</a:t>
             </a:fld>
             <a:endParaRPr kumimoji="1" lang="ja-JP" altLang="en-US"/>
           </a:p>
@@ -4741,6 +4742,239 @@
 </p:sld>
 </file>
 
+<file path=ppt/slides/slide8.xml><?xml version="1.0" encoding="utf-8"?>
+<p:sld xmlns:a="http://schemas.openxmlformats.org/drawingml/2006/main" xmlns:r="http://schemas.openxmlformats.org/officeDocument/2006/relationships" xmlns:p="http://schemas.openxmlformats.org/presentationml/2006/main">
+  <p:cSld>
+    <p:spTree>
+      <p:nvGrpSpPr>
+        <p:cNvPr id="1" name=""/>
+        <p:cNvGrpSpPr/>
+        <p:nvPr/>
+      </p:nvGrpSpPr>
+      <p:grpSpPr>
+        <a:xfrm>
+          <a:off x="0" y="0"/>
+          <a:ext cx="0" cy="0"/>
+          <a:chOff x="0" y="0"/>
+          <a:chExt cx="0" cy="0"/>
+        </a:xfrm>
+      </p:grpSpPr>
+      <p:sp>
+        <p:nvSpPr>
+          <p:cNvPr id="2" name="タイトル 1">
+            <a:extLst>
+              <a:ext uri="{FF2B5EF4-FFF2-40B4-BE49-F238E27FC236}">
+                <a16:creationId xmlns:a16="http://schemas.microsoft.com/office/drawing/2014/main" id="{36CD3194-C9D3-4D43-B521-3C8714DB5211}"/>
+              </a:ext>
+            </a:extLst>
+          </p:cNvPr>
+          <p:cNvSpPr>
+            <a:spLocks noGrp="1"/>
+          </p:cNvSpPr>
+          <p:nvPr>
+            <p:ph type="title"/>
+          </p:nvPr>
+        </p:nvSpPr>
+        <p:spPr>
+          <a:xfrm>
+            <a:off x="838200" y="147411"/>
+            <a:ext cx="10515600" cy="1325563"/>
+          </a:xfrm>
+        </p:spPr>
+        <p:txBody>
+          <a:bodyPr>
+            <a:normAutofit/>
+          </a:bodyPr>
+          <a:lstStyle/>
+          <a:p>
+            <a:r>
+              <a:rPr kumimoji="1" lang="ja-JP" altLang="en-US" sz="3600"/>
+              <a:t>描画</a:t>
+            </a:r>
+          </a:p>
+        </p:txBody>
+      </p:sp>
+      <p:sp>
+        <p:nvSpPr>
+          <p:cNvPr id="3" name="コンテンツ プレースホルダー 2">
+            <a:extLst>
+              <a:ext uri="{FF2B5EF4-FFF2-40B4-BE49-F238E27FC236}">
+                <a16:creationId xmlns:a16="http://schemas.microsoft.com/office/drawing/2014/main" id="{F9D91EC1-823C-6A43-86EE-BEED479E9D34}"/>
+              </a:ext>
+            </a:extLst>
+          </p:cNvPr>
+          <p:cNvSpPr>
+            <a:spLocks noGrp="1"/>
+          </p:cNvSpPr>
+          <p:nvPr>
+            <p:ph idx="1"/>
+          </p:nvPr>
+        </p:nvSpPr>
+        <p:spPr>
+          <a:xfrm>
+            <a:off x="838200" y="1317171"/>
+            <a:ext cx="10515600" cy="4859792"/>
+          </a:xfrm>
+        </p:spPr>
+        <p:txBody>
+          <a:bodyPr>
+            <a:normAutofit/>
+          </a:bodyPr>
+          <a:lstStyle/>
+          <a:p>
+            <a:r>
+              <a:rPr kumimoji="1" lang="ja-JP" altLang="en-US" sz="2000"/>
+              <a:t>変形図の表示</a:t>
+            </a:r>
+            <a:endParaRPr kumimoji="1" lang="en-US" altLang="ja-JP" sz="2000" dirty="0"/>
+          </a:p>
+          <a:p>
+            <a:pPr marL="0" indent="0">
+              <a:buNone/>
+            </a:pPr>
+            <a:r>
+              <a:rPr lang="en" altLang="ja-JP" sz="2000" dirty="0"/>
+              <a:t>PLDISP, KUND</a:t>
+            </a:r>
+          </a:p>
+          <a:p>
+            <a:pPr marL="0" indent="0">
+              <a:buNone/>
+            </a:pPr>
+            <a:r>
+              <a:rPr lang="en" altLang="ja-JP" sz="2000" dirty="0"/>
+              <a:t>KUND … 0:</a:t>
+            </a:r>
+            <a:r>
+              <a:rPr lang="ja-JP" altLang="en-US" sz="2000"/>
+              <a:t>図のみ</a:t>
+            </a:r>
+            <a:r>
+              <a:rPr lang="en-US" altLang="ja-JP" sz="2000" dirty="0"/>
+              <a:t>(</a:t>
+            </a:r>
+            <a:r>
+              <a:rPr lang="ja-JP" altLang="en-US" sz="2000"/>
+              <a:t>デフォルト</a:t>
+            </a:r>
+            <a:r>
+              <a:rPr lang="en-US" altLang="ja-JP" sz="2000" dirty="0"/>
+              <a:t>)  1: </a:t>
+            </a:r>
+            <a:r>
+              <a:rPr lang="ja-JP" altLang="en-US" sz="2000"/>
+              <a:t>変形図と原型図 </a:t>
+            </a:r>
+            <a:r>
+              <a:rPr lang="en-US" altLang="ja-JP" sz="2000" dirty="0"/>
+              <a:t> 2: </a:t>
+            </a:r>
+            <a:r>
+              <a:rPr lang="ja-JP" altLang="en-US" sz="2000"/>
+              <a:t>変形図と原型図アウトライン</a:t>
+            </a:r>
+            <a:br>
+              <a:rPr lang="en" altLang="ja-JP" sz="2000" dirty="0"/>
+            </a:br>
+            <a:endParaRPr lang="en" altLang="ja-JP" sz="2000" dirty="0"/>
+          </a:p>
+          <a:p>
+            <a:pPr marL="0" indent="0">
+              <a:buNone/>
+            </a:pPr>
+            <a:r>
+              <a:rPr lang="ja-JP" altLang="en-US" sz="2000"/>
+              <a:t>・色指定</a:t>
+            </a:r>
+            <a:endParaRPr lang="en-US" altLang="ja-JP" sz="2000" dirty="0"/>
+          </a:p>
+          <a:p>
+            <a:pPr marL="0" indent="0">
+              <a:buNone/>
+            </a:pPr>
+            <a:r>
+              <a:rPr lang="en" altLang="ja-JP" sz="2000" dirty="0"/>
+              <a:t>/COLOR,CM, 0,CFRP </a:t>
+            </a:r>
+          </a:p>
+          <a:p>
+            <a:pPr marL="0" indent="0">
+              <a:buNone/>
+            </a:pPr>
+            <a:r>
+              <a:rPr lang="en" altLang="ja-JP" sz="2000" dirty="0"/>
+              <a:t>/COLOR,CM, 4</a:t>
+            </a:r>
+            <a:r>
+              <a:rPr lang="en" altLang="ja-JP" sz="2000"/>
+              <a:t>,SOTO</a:t>
+            </a:r>
+          </a:p>
+          <a:p>
+            <a:pPr marL="0" indent="0">
+              <a:buNone/>
+            </a:pPr>
+            <a:r>
+              <a:rPr lang="en" altLang="ja-JP" sz="2000"/>
+              <a:t>/</a:t>
+            </a:r>
+            <a:r>
+              <a:rPr lang="en" altLang="ja-JP" sz="2000" dirty="0"/>
+              <a:t>COLOR,CM, 6,UCHI1 </a:t>
+            </a:r>
+          </a:p>
+          <a:p>
+            <a:pPr marL="0" indent="0">
+              <a:buNone/>
+            </a:pPr>
+            <a:r>
+              <a:rPr lang="en" altLang="ja-JP" sz="2000" dirty="0"/>
+              <a:t>/COLOR,CM, 6,UCHI2</a:t>
+            </a:r>
+          </a:p>
+          <a:p>
+            <a:pPr marL="0" indent="0">
+              <a:buNone/>
+            </a:pPr>
+            <a:r>
+              <a:rPr lang="en" altLang="ja-JP" sz="2000" dirty="0"/>
+              <a:t>/COLOR,CM, 6,UCHI3</a:t>
+            </a:r>
+          </a:p>
+          <a:p>
+            <a:pPr marL="0" indent="0">
+              <a:buNone/>
+            </a:pPr>
+            <a:r>
+              <a:rPr lang="en" altLang="ja-JP" sz="2000" dirty="0"/>
+              <a:t>/COLOR,CM, 6,UCHI4</a:t>
+            </a:r>
+          </a:p>
+          <a:p>
+            <a:pPr marL="0" indent="0">
+              <a:buNone/>
+            </a:pPr>
+            <a:r>
+              <a:rPr lang="en" altLang="ja-JP" sz="2000" dirty="0"/>
+              <a:t>/COLOR,CM, 6,UCHI5</a:t>
+            </a:r>
+            <a:endParaRPr kumimoji="1" lang="en" altLang="ja-JP" sz="2000" dirty="0"/>
+          </a:p>
+        </p:txBody>
+      </p:sp>
+    </p:spTree>
+    <p:extLst>
+      <p:ext uri="{BB962C8B-B14F-4D97-AF65-F5344CB8AC3E}">
+        <p14:creationId xmlns:p14="http://schemas.microsoft.com/office/powerpoint/2010/main" val="2773478212"/>
+      </p:ext>
+    </p:extLst>
+  </p:cSld>
+  <p:clrMapOvr>
+    <a:masterClrMapping/>
+  </p:clrMapOvr>
+</p:sld>
+</file>
+
 <file path=ppt/theme/theme1.xml><?xml version="1.0" encoding="utf-8"?>
 <a:theme xmlns:a="http://schemas.openxmlformats.org/drawingml/2006/main" name="Office テーマ">
   <a:themeElements>
